--- a/presentations/ga-may-21/mlm-ds-tutorial.pptx
+++ b/presentations/ga-may-21/mlm-ds-tutorial.pptx
@@ -130,9 +130,60 @@
 <file path=ppt/revisionInfo.xml><?xml version="1.0" encoding="utf-8"?>
 <p1510:revInfo xmlns:a="http://schemas.openxmlformats.org/drawingml/2006/main" xmlns:r="http://schemas.openxmlformats.org/officeDocument/2006/relationships" xmlns:p1510="http://schemas.microsoft.com/office/powerpoint/2015/10/main">
   <p1510:revLst>
-    <p1510:client id="{4F98CD4D-CBB2-9E4E-AE7D-5571DABBD4B1}" v="5" dt="2021-05-14T07:44:42.102"/>
+    <p1510:client id="{4F98CD4D-CBB2-9E4E-AE7D-5571DABBD4B1}" v="7" dt="2021-05-14T07:55:38.531"/>
   </p1510:revLst>
 </p1510:revInfo>
+</file>
+
+<file path=ppt/changesInfos/changesInfo1.xml><?xml version="1.0" encoding="utf-8"?>
+<pc:chgInfo xmlns:a="http://schemas.openxmlformats.org/drawingml/2006/main" xmlns:r="http://schemas.openxmlformats.org/officeDocument/2006/relationships" xmlns:ac="http://schemas.microsoft.com/office/drawing/2013/main/command" xmlns:pc="http://schemas.microsoft.com/office/powerpoint/2013/main/command">
+  <pc:docChgLst>
+    <pc:chgData name="Tim Cadman" userId="a5b644e7-51a1-4831-8541-5f631cfdd956" providerId="ADAL" clId="{4F98CD4D-CBB2-9E4E-AE7D-5571DABBD4B1}"/>
+    <pc:docChg chg="addSld delSld modSld">
+      <pc:chgData name="Tim Cadman" userId="a5b644e7-51a1-4831-8541-5f631cfdd956" providerId="ADAL" clId="{4F98CD4D-CBB2-9E4E-AE7D-5571DABBD4B1}" dt="2021-05-14T08:03:38.007" v="25" actId="20577"/>
+      <pc:docMkLst>
+        <pc:docMk/>
+      </pc:docMkLst>
+      <pc:sldChg chg="modSp mod">
+        <pc:chgData name="Tim Cadman" userId="a5b644e7-51a1-4831-8541-5f631cfdd956" providerId="ADAL" clId="{4F98CD4D-CBB2-9E4E-AE7D-5571DABBD4B1}" dt="2021-05-14T07:59:52.256" v="1" actId="20577"/>
+        <pc:sldMkLst>
+          <pc:docMk/>
+          <pc:sldMk cId="3231684118" sldId="280"/>
+        </pc:sldMkLst>
+        <pc:spChg chg="mod">
+          <ac:chgData name="Tim Cadman" userId="a5b644e7-51a1-4831-8541-5f631cfdd956" providerId="ADAL" clId="{4F98CD4D-CBB2-9E4E-AE7D-5571DABBD4B1}" dt="2021-05-14T07:59:52.256" v="1" actId="20577"/>
+          <ac:spMkLst>
+            <pc:docMk/>
+            <pc:sldMk cId="3231684118" sldId="280"/>
+            <ac:spMk id="4" creationId="{448200CA-777B-9549-ADB5-7F0395FA5AA3}"/>
+          </ac:spMkLst>
+        </pc:spChg>
+      </pc:sldChg>
+      <pc:sldChg chg="modSp mod">
+        <pc:chgData name="Tim Cadman" userId="a5b644e7-51a1-4831-8541-5f631cfdd956" providerId="ADAL" clId="{4F98CD4D-CBB2-9E4E-AE7D-5571DABBD4B1}" dt="2021-05-14T08:03:38.007" v="25" actId="20577"/>
+        <pc:sldMkLst>
+          <pc:docMk/>
+          <pc:sldMk cId="2978580222" sldId="282"/>
+        </pc:sldMkLst>
+        <pc:spChg chg="mod">
+          <ac:chgData name="Tim Cadman" userId="a5b644e7-51a1-4831-8541-5f631cfdd956" providerId="ADAL" clId="{4F98CD4D-CBB2-9E4E-AE7D-5571DABBD4B1}" dt="2021-05-14T08:03:38.007" v="25" actId="20577"/>
+          <ac:spMkLst>
+            <pc:docMk/>
+            <pc:sldMk cId="2978580222" sldId="282"/>
+            <ac:spMk id="4" creationId="{448200CA-777B-9549-ADB5-7F0395FA5AA3}"/>
+          </ac:spMkLst>
+        </pc:spChg>
+      </pc:sldChg>
+      <pc:sldChg chg="new del">
+        <pc:chgData name="Tim Cadman" userId="a5b644e7-51a1-4831-8541-5f631cfdd956" providerId="ADAL" clId="{4F98CD4D-CBB2-9E4E-AE7D-5571DABBD4B1}" dt="2021-05-14T08:00:16.171" v="3" actId="2696"/>
+        <pc:sldMkLst>
+          <pc:docMk/>
+          <pc:sldMk cId="1859741023" sldId="283"/>
+        </pc:sldMkLst>
+      </pc:sldChg>
+    </pc:docChg>
+  </pc:docChgLst>
+</pc:chgInfo>
 </file>
 
 <file path=ppt/notesMasters/notesMaster1.xml><?xml version="1.0" encoding="utf-8"?>
@@ -2066,7 +2117,7 @@
         <p:spPr>
           <a:xfrm>
             <a:off x="519824" y="1988840"/>
-            <a:ext cx="8064698" cy="4124206"/>
+            <a:ext cx="8064698" cy="5047536"/>
           </a:xfrm>
           <a:prstGeom prst="rect">
             <a:avLst/>
@@ -2084,9 +2135,16 @@
               <a:buChar char="•"/>
             </a:pPr>
             <a:r>
-              <a:rPr lang="en-US" sz="2000"/>
+              <a:rPr lang="en-US" sz="2000" dirty="0"/>
               <a:t>URL: </a:t>
             </a:r>
+            <a:r>
+              <a:rPr lang="en-US" sz="2000" dirty="0">
+                <a:hlinkClick r:id="rId2"/>
+              </a:rPr>
+              <a:t>https://github.com/lifecycle-project/trajectories-tutorial</a:t>
+            </a:r>
+            <a:endParaRPr lang="en-US" sz="2000" dirty="0"/>
           </a:p>
           <a:p>
             <a:pPr marL="342900" indent="-342900">
@@ -2123,7 +2181,7 @@
             </a:r>
             <a:r>
               <a:rPr lang="en-US" sz="1600" dirty="0">
-                <a:hlinkClick r:id="rId2"/>
+                <a:hlinkClick r:id="rId3"/>
               </a:rPr>
               <a:t>https://doi.org/10.1101/2020.11.24.20237669</a:t>
             </a:r>
@@ -2139,7 +2197,49 @@
             </a:pPr>
             <a:r>
               <a:rPr lang="en-US" sz="2000" dirty="0"/>
-              <a:t>Tutorial uses data simulated by Rachel Hughes for five cohorts included in paper</a:t>
+              <a:t>Data simulated by Rachel Hughes for the five cohorts included in paper</a:t>
+            </a:r>
+          </a:p>
+          <a:p>
+            <a:pPr marL="342900" indent="-342900">
+              <a:buFont typeface="Arial" panose="020B0604020202020204" pitchFamily="34" charset="0"/>
+              <a:buChar char="•"/>
+            </a:pPr>
+            <a:endParaRPr lang="en-US" sz="2000" dirty="0"/>
+          </a:p>
+          <a:p>
+            <a:pPr marL="342900" indent="-342900">
+              <a:buFont typeface="Arial" panose="020B0604020202020204" pitchFamily="34" charset="0"/>
+              <a:buChar char="•"/>
+            </a:pPr>
+            <a:r>
+              <a:rPr lang="en-US" sz="2000" dirty="0"/>
+              <a:t>Where possible I recreate her analysis using using </a:t>
+            </a:r>
+            <a:r>
+              <a:rPr lang="en-US" sz="2000" dirty="0" err="1"/>
+              <a:t>DataSHIELD</a:t>
+            </a:r>
+            <a:r>
+              <a:rPr lang="en-US" sz="2000" dirty="0"/>
+              <a:t>.</a:t>
+            </a:r>
+          </a:p>
+          <a:p>
+            <a:pPr marL="342900" indent="-342900">
+              <a:buFont typeface="Arial" panose="020B0604020202020204" pitchFamily="34" charset="0"/>
+              <a:buChar char="•"/>
+            </a:pPr>
+            <a:endParaRPr lang="en-US" sz="2000" dirty="0"/>
+          </a:p>
+          <a:p>
+            <a:pPr marL="342900" indent="-342900">
+              <a:buFont typeface="Arial" panose="020B0604020202020204" pitchFamily="34" charset="0"/>
+              <a:buChar char="•"/>
+            </a:pPr>
+            <a:r>
+              <a:rPr lang="en-US" sz="2000" dirty="0"/>
+              <a:t>Dissemination??</a:t>
             </a:r>
           </a:p>
           <a:p>
@@ -2299,7 +2399,7 @@
         <p:spPr>
           <a:xfrm>
             <a:off x="519824" y="1988840"/>
-            <a:ext cx="8064698" cy="3416320"/>
+            <a:ext cx="8064698" cy="3754874"/>
           </a:xfrm>
           <a:prstGeom prst="rect">
             <a:avLst/>
@@ -2313,21 +2413,24 @@
           <a:lstStyle/>
           <a:p>
             <a:r>
-              <a:rPr lang="en-US" dirty="0"/>
+              <a:rPr lang="en-US" sz="2000" dirty="0"/>
               <a:t>Current functionality in </a:t>
             </a:r>
             <a:r>
-              <a:rPr lang="en-US" dirty="0" err="1"/>
+              <a:rPr lang="en-US" sz="2000" dirty="0" err="1"/>
               <a:t>DataSHIELD</a:t>
             </a:r>
-            <a:endParaRPr lang="en-US" dirty="0"/>
+            <a:r>
+              <a:rPr lang="en-US" sz="2000" dirty="0"/>
+              <a:t>:</a:t>
+            </a:r>
           </a:p>
           <a:p>
             <a:pPr marL="342900" indent="-342900">
               <a:buFont typeface="Arial" panose="020B0604020202020204" pitchFamily="34" charset="0"/>
               <a:buChar char="•"/>
             </a:pPr>
-            <a:endParaRPr lang="en-US" dirty="0"/>
+            <a:endParaRPr lang="en-US" sz="2000" dirty="0"/>
           </a:p>
           <a:p>
             <a:pPr marL="342900" indent="-342900">
@@ -2335,7 +2438,7 @@
               <a:buChar char="•"/>
             </a:pPr>
             <a:r>
-              <a:rPr lang="en-US" dirty="0"/>
+              <a:rPr lang="en-US" sz="2000" dirty="0"/>
               <a:t>Linear mixed effects models (based on R package lme4)</a:t>
             </a:r>
           </a:p>
@@ -2345,7 +2448,7 @@
               <a:buChar char="•"/>
             </a:pPr>
             <a:r>
-              <a:rPr lang="en-US" dirty="0"/>
+              <a:rPr lang="en-US" sz="2000" dirty="0"/>
               <a:t>Fractional polynomial models</a:t>
             </a:r>
           </a:p>
@@ -2355,26 +2458,29 @@
               <a:buChar char="•"/>
             </a:pPr>
             <a:r>
-              <a:rPr lang="en-US" dirty="0"/>
+              <a:rPr lang="en-US" sz="2000" dirty="0"/>
               <a:t>Pooled estimates using two-stage meta-analysis</a:t>
             </a:r>
           </a:p>
           <a:p>
             <a:br>
-              <a:rPr lang="en-US" dirty="0"/>
+              <a:rPr lang="en-US" sz="2000" dirty="0"/>
             </a:br>
             <a:r>
-              <a:rPr lang="en-US" dirty="0"/>
+              <a:rPr lang="en-US" sz="2000" dirty="0"/>
               <a:t>Functionality not currently available in </a:t>
             </a:r>
             <a:r>
-              <a:rPr lang="en-US" dirty="0" err="1"/>
+              <a:rPr lang="en-US" sz="2000" dirty="0" err="1"/>
               <a:t>DataSHIELD</a:t>
             </a:r>
-            <a:endParaRPr lang="en-US" dirty="0"/>
-          </a:p>
-          <a:p>
-            <a:endParaRPr lang="en-US" dirty="0"/>
+            <a:r>
+              <a:rPr lang="en-US" sz="2000" dirty="0"/>
+              <a:t>:</a:t>
+            </a:r>
+          </a:p>
+          <a:p>
+            <a:endParaRPr lang="en-US" sz="2000" dirty="0"/>
           </a:p>
           <a:p>
             <a:pPr marL="342900" indent="-342900">
@@ -2382,7 +2488,7 @@
               <a:buChar char="•"/>
             </a:pPr>
             <a:r>
-              <a:rPr lang="en-US" dirty="0"/>
+              <a:rPr lang="en-US" sz="2000" dirty="0"/>
               <a:t>Spline models</a:t>
             </a:r>
           </a:p>
@@ -2392,7 +2498,7 @@
               <a:buChar char="•"/>
             </a:pPr>
             <a:r>
-              <a:rPr lang="en-US" dirty="0"/>
+              <a:rPr lang="en-US" sz="2000" dirty="0"/>
               <a:t>Multiple imputation</a:t>
             </a:r>
           </a:p>
@@ -2402,7 +2508,7 @@
               <a:buChar char="•"/>
             </a:pPr>
             <a:r>
-              <a:rPr lang="en-US" dirty="0"/>
+              <a:rPr lang="en-US" sz="2000" dirty="0"/>
               <a:t>Pooling via 1-stage meta-analysis.</a:t>
             </a:r>
           </a:p>
